--- a/Analysis of Motor Collision In NYC.pptx
+++ b/Analysis of Motor Collision In NYC.pptx
@@ -274,7 +274,7 @@
           <a:p>
             <a:fld id="{4EC743F4-8769-40B4-85DF-6CB8DE9F66AA}" type="datetimeFigureOut">
               <a:rPr lang="en-US" smtClean="0"/>
-              <a:t>5/15/22</a:t>
+              <a:t>6/4/22</a:t>
             </a:fld>
             <a:endParaRPr lang="en-US"/>
           </a:p>
@@ -817,7 +817,7 @@
           <a:p>
             <a:fld id="{4EC743F4-8769-40B4-85DF-6CB8DE9F66AA}" type="datetimeFigureOut">
               <a:rPr lang="en-US" smtClean="0"/>
-              <a:t>5/15/22</a:t>
+              <a:t>6/4/22</a:t>
             </a:fld>
             <a:endParaRPr lang="en-US"/>
           </a:p>
@@ -1025,7 +1025,7 @@
           <a:p>
             <a:fld id="{4EC743F4-8769-40B4-85DF-6CB8DE9F66AA}" type="datetimeFigureOut">
               <a:rPr lang="en-US" smtClean="0"/>
-              <a:t>5/15/22</a:t>
+              <a:t>6/4/22</a:t>
             </a:fld>
             <a:endParaRPr lang="en-US"/>
           </a:p>
@@ -1224,7 +1224,7 @@
           <a:p>
             <a:fld id="{4EC743F4-8769-40B4-85DF-6CB8DE9F66AA}" type="datetimeFigureOut">
               <a:rPr lang="en-US" smtClean="0"/>
-              <a:t>5/15/22</a:t>
+              <a:t>6/4/22</a:t>
             </a:fld>
             <a:endParaRPr lang="en-US"/>
           </a:p>
@@ -1507,7 +1507,7 @@
           <a:p>
             <a:fld id="{4EC743F4-8769-40B4-85DF-6CB8DE9F66AA}" type="datetimeFigureOut">
               <a:rPr lang="en-US" smtClean="0"/>
-              <a:t>5/15/22</a:t>
+              <a:t>6/4/22</a:t>
             </a:fld>
             <a:endParaRPr lang="en-US" dirty="0"/>
           </a:p>
@@ -2458,7 +2458,7 @@
           <a:p>
             <a:fld id="{4EC743F4-8769-40B4-85DF-6CB8DE9F66AA}" type="datetimeFigureOut">
               <a:rPr lang="en-US" smtClean="0"/>
-              <a:t>5/15/22</a:t>
+              <a:t>6/4/22</a:t>
             </a:fld>
             <a:endParaRPr lang="en-US"/>
           </a:p>
@@ -2877,7 +2877,7 @@
           <a:p>
             <a:fld id="{4EC743F4-8769-40B4-85DF-6CB8DE9F66AA}" type="datetimeFigureOut">
               <a:rPr lang="en-US" smtClean="0"/>
-              <a:t>5/15/22</a:t>
+              <a:t>6/4/22</a:t>
             </a:fld>
             <a:endParaRPr lang="en-US"/>
           </a:p>
@@ -3018,7 +3018,7 @@
           <a:p>
             <a:fld id="{4EC743F4-8769-40B4-85DF-6CB8DE9F66AA}" type="datetimeFigureOut">
               <a:rPr lang="en-US" smtClean="0"/>
-              <a:t>5/15/22</a:t>
+              <a:t>6/4/22</a:t>
             </a:fld>
             <a:endParaRPr lang="en-US"/>
           </a:p>
@@ -3131,7 +3131,7 @@
           <a:p>
             <a:fld id="{4EC743F4-8769-40B4-85DF-6CB8DE9F66AA}" type="datetimeFigureOut">
               <a:rPr lang="en-US" smtClean="0"/>
-              <a:t>5/15/22</a:t>
+              <a:t>6/4/22</a:t>
             </a:fld>
             <a:endParaRPr lang="en-US"/>
           </a:p>
@@ -3448,7 +3448,7 @@
           <a:p>
             <a:fld id="{4EC743F4-8769-40B4-85DF-6CB8DE9F66AA}" type="datetimeFigureOut">
               <a:rPr lang="en-US" smtClean="0"/>
-              <a:t>5/15/22</a:t>
+              <a:t>6/4/22</a:t>
             </a:fld>
             <a:endParaRPr lang="en-US"/>
           </a:p>
@@ -3793,7 +3793,7 @@
           <a:p>
             <a:fld id="{4EC743F4-8769-40B4-85DF-6CB8DE9F66AA}" type="datetimeFigureOut">
               <a:rPr lang="en-US" smtClean="0"/>
-              <a:t>5/15/22</a:t>
+              <a:t>6/4/22</a:t>
             </a:fld>
             <a:endParaRPr lang="en-US"/>
           </a:p>
@@ -4088,7 +4088,7 @@
             <a:fld id="{4EC743F4-8769-40B4-85DF-6CB8DE9F66AA}" type="datetimeFigureOut">
               <a:rPr lang="en-US" smtClean="0"/>
               <a:pPr/>
-              <a:t>5/15/22</a:t>
+              <a:t>6/4/22</a:t>
             </a:fld>
             <a:endParaRPr lang="en-US" dirty="0"/>
           </a:p>
@@ -4633,7 +4633,7 @@
         <p:spPr>
           <a:xfrm>
             <a:off x="6365706" y="472135"/>
-            <a:ext cx="5572125" cy="3218733"/>
+            <a:ext cx="5572125" cy="3702823"/>
           </a:xfrm>
         </p:spPr>
         <p:txBody>
@@ -4642,7 +4642,7 @@
           </a:bodyPr>
           <a:lstStyle/>
           <a:p>
-            <a:pPr algn="just">
+            <a:pPr algn="l">
               <a:lnSpc>
                 <a:spcPct val="90000"/>
               </a:lnSpc>
@@ -4657,7 +4657,7 @@
             </a:r>
             <a:r>
               <a:rPr lang="en-US" sz="3700" dirty="0"/>
-              <a:t> of New York Motor Collision from 2012 - 2022</a:t>
+              <a:t> of New York City Motor Collision (2012 – 2022)</a:t>
             </a:r>
           </a:p>
         </p:txBody>

--- a/Analysis of Motor Collision In NYC.pptx
+++ b/Analysis of Motor Collision In NYC.pptx
@@ -5768,7 +5768,7 @@
               <a:rPr lang="en-US" sz="1400" dirty="0">
                 <a:latin typeface="+mj-lt"/>
               </a:rPr>
-              <a:t>We have carried out Time-series analysis and made dashboards to understand more about the factors and causes for Motor collisions in New York city.</a:t>
+              <a:t>We have carried out a Time-series analysis and made dashboards to understand more about the factors and causes of Motor collisions in New York City.</a:t>
             </a:r>
           </a:p>
         </p:txBody>
